--- a/Remoting/Remote control.pptx
+++ b/Remoting/Remote control.pptx
@@ -875,7 +875,7 @@
           <a:p>
             <a:fld id="{3C1CD153-15DE-46E9-BB45-7F70E88D2337}" type="datetimeFigureOut">
               <a:rPr lang="nl-BE" smtClean="0"/>
-              <a:t>29/03/2018</a:t>
+              <a:t>7/09/2018</a:t>
             </a:fld>
             <a:endParaRPr lang="nl-BE"/>
           </a:p>
@@ -3432,7 +3432,7 @@
           <a:p>
             <a:fld id="{21F21368-17C6-4870-9BCB-BC49B72EC322}" type="datetimeFigureOut">
               <a:rPr lang="nl-BE" smtClean="0"/>
-              <a:t>29/03/2018</a:t>
+              <a:t>7/09/2018</a:t>
             </a:fld>
             <a:endParaRPr lang="nl-BE"/>
           </a:p>
@@ -3602,7 +3602,7 @@
           <a:p>
             <a:fld id="{21F21368-17C6-4870-9BCB-BC49B72EC322}" type="datetimeFigureOut">
               <a:rPr lang="nl-BE" smtClean="0"/>
-              <a:t>29/03/2018</a:t>
+              <a:t>7/09/2018</a:t>
             </a:fld>
             <a:endParaRPr lang="nl-BE"/>
           </a:p>
@@ -3782,7 +3782,7 @@
           <a:p>
             <a:fld id="{21F21368-17C6-4870-9BCB-BC49B72EC322}" type="datetimeFigureOut">
               <a:rPr lang="nl-BE" smtClean="0"/>
-              <a:t>29/03/2018</a:t>
+              <a:t>7/09/2018</a:t>
             </a:fld>
             <a:endParaRPr lang="nl-BE"/>
           </a:p>
@@ -4296,7 +4296,7 @@
           <a:p>
             <a:fld id="{21F21368-17C6-4870-9BCB-BC49B72EC322}" type="datetimeFigureOut">
               <a:rPr lang="nl-BE" smtClean="0"/>
-              <a:t>29/03/2018</a:t>
+              <a:t>7/09/2018</a:t>
             </a:fld>
             <a:endParaRPr lang="nl-BE"/>
           </a:p>
@@ -4542,7 +4542,7 @@
           <a:p>
             <a:fld id="{21F21368-17C6-4870-9BCB-BC49B72EC322}" type="datetimeFigureOut">
               <a:rPr lang="nl-BE" smtClean="0"/>
-              <a:t>29/03/2018</a:t>
+              <a:t>7/09/2018</a:t>
             </a:fld>
             <a:endParaRPr lang="nl-BE"/>
           </a:p>
@@ -4774,7 +4774,7 @@
           <a:p>
             <a:fld id="{21F21368-17C6-4870-9BCB-BC49B72EC322}" type="datetimeFigureOut">
               <a:rPr lang="nl-BE" smtClean="0"/>
-              <a:t>29/03/2018</a:t>
+              <a:t>7/09/2018</a:t>
             </a:fld>
             <a:endParaRPr lang="nl-BE"/>
           </a:p>
@@ -5141,7 +5141,7 @@
           <a:p>
             <a:fld id="{21F21368-17C6-4870-9BCB-BC49B72EC322}" type="datetimeFigureOut">
               <a:rPr lang="nl-BE" smtClean="0"/>
-              <a:t>29/03/2018</a:t>
+              <a:t>7/09/2018</a:t>
             </a:fld>
             <a:endParaRPr lang="nl-BE"/>
           </a:p>
@@ -5259,7 +5259,7 @@
           <a:p>
             <a:fld id="{21F21368-17C6-4870-9BCB-BC49B72EC322}" type="datetimeFigureOut">
               <a:rPr lang="nl-BE" smtClean="0"/>
-              <a:t>29/03/2018</a:t>
+              <a:t>7/09/2018</a:t>
             </a:fld>
             <a:endParaRPr lang="nl-BE"/>
           </a:p>
@@ -5354,7 +5354,7 @@
           <a:p>
             <a:fld id="{21F21368-17C6-4870-9BCB-BC49B72EC322}" type="datetimeFigureOut">
               <a:rPr lang="nl-BE" smtClean="0"/>
-              <a:t>29/03/2018</a:t>
+              <a:t>7/09/2018</a:t>
             </a:fld>
             <a:endParaRPr lang="nl-BE"/>
           </a:p>
@@ -5631,7 +5631,7 @@
           <a:p>
             <a:fld id="{21F21368-17C6-4870-9BCB-BC49B72EC322}" type="datetimeFigureOut">
               <a:rPr lang="nl-BE" smtClean="0"/>
-              <a:t>29/03/2018</a:t>
+              <a:t>7/09/2018</a:t>
             </a:fld>
             <a:endParaRPr lang="nl-BE"/>
           </a:p>
@@ -5888,7 +5888,7 @@
           <a:p>
             <a:fld id="{21F21368-17C6-4870-9BCB-BC49B72EC322}" type="datetimeFigureOut">
               <a:rPr lang="nl-BE" smtClean="0"/>
-              <a:t>29/03/2018</a:t>
+              <a:t>7/09/2018</a:t>
             </a:fld>
             <a:endParaRPr lang="nl-BE"/>
           </a:p>
@@ -6101,7 +6101,7 @@
           <a:p>
             <a:fld id="{21F21368-17C6-4870-9BCB-BC49B72EC322}" type="datetimeFigureOut">
               <a:rPr lang="nl-BE" smtClean="0"/>
-              <a:t>29/03/2018</a:t>
+              <a:t>7/09/2018</a:t>
             </a:fld>
             <a:endParaRPr lang="nl-BE"/>
           </a:p>

--- a/Remoting/Remote control.pptx
+++ b/Remoting/Remote control.pptx
@@ -875,7 +875,7 @@
           <a:p>
             <a:fld id="{3C1CD153-15DE-46E9-BB45-7F70E88D2337}" type="datetimeFigureOut">
               <a:rPr lang="nl-BE" smtClean="0"/>
-              <a:t>7/09/2018</a:t>
+              <a:t>26/09/2018</a:t>
             </a:fld>
             <a:endParaRPr lang="nl-BE"/>
           </a:p>
@@ -3432,7 +3432,7 @@
           <a:p>
             <a:fld id="{21F21368-17C6-4870-9BCB-BC49B72EC322}" type="datetimeFigureOut">
               <a:rPr lang="nl-BE" smtClean="0"/>
-              <a:t>7/09/2018</a:t>
+              <a:t>26/09/2018</a:t>
             </a:fld>
             <a:endParaRPr lang="nl-BE"/>
           </a:p>
@@ -3602,7 +3602,7 @@
           <a:p>
             <a:fld id="{21F21368-17C6-4870-9BCB-BC49B72EC322}" type="datetimeFigureOut">
               <a:rPr lang="nl-BE" smtClean="0"/>
-              <a:t>7/09/2018</a:t>
+              <a:t>26/09/2018</a:t>
             </a:fld>
             <a:endParaRPr lang="nl-BE"/>
           </a:p>
@@ -3782,7 +3782,7 @@
           <a:p>
             <a:fld id="{21F21368-17C6-4870-9BCB-BC49B72EC322}" type="datetimeFigureOut">
               <a:rPr lang="nl-BE" smtClean="0"/>
-              <a:t>7/09/2018</a:t>
+              <a:t>26/09/2018</a:t>
             </a:fld>
             <a:endParaRPr lang="nl-BE"/>
           </a:p>
@@ -4296,7 +4296,7 @@
           <a:p>
             <a:fld id="{21F21368-17C6-4870-9BCB-BC49B72EC322}" type="datetimeFigureOut">
               <a:rPr lang="nl-BE" smtClean="0"/>
-              <a:t>7/09/2018</a:t>
+              <a:t>26/09/2018</a:t>
             </a:fld>
             <a:endParaRPr lang="nl-BE"/>
           </a:p>
@@ -4542,7 +4542,7 @@
           <a:p>
             <a:fld id="{21F21368-17C6-4870-9BCB-BC49B72EC322}" type="datetimeFigureOut">
               <a:rPr lang="nl-BE" smtClean="0"/>
-              <a:t>7/09/2018</a:t>
+              <a:t>26/09/2018</a:t>
             </a:fld>
             <a:endParaRPr lang="nl-BE"/>
           </a:p>
@@ -4774,7 +4774,7 @@
           <a:p>
             <a:fld id="{21F21368-17C6-4870-9BCB-BC49B72EC322}" type="datetimeFigureOut">
               <a:rPr lang="nl-BE" smtClean="0"/>
-              <a:t>7/09/2018</a:t>
+              <a:t>26/09/2018</a:t>
             </a:fld>
             <a:endParaRPr lang="nl-BE"/>
           </a:p>
@@ -5141,7 +5141,7 @@
           <a:p>
             <a:fld id="{21F21368-17C6-4870-9BCB-BC49B72EC322}" type="datetimeFigureOut">
               <a:rPr lang="nl-BE" smtClean="0"/>
-              <a:t>7/09/2018</a:t>
+              <a:t>26/09/2018</a:t>
             </a:fld>
             <a:endParaRPr lang="nl-BE"/>
           </a:p>
@@ -5259,7 +5259,7 @@
           <a:p>
             <a:fld id="{21F21368-17C6-4870-9BCB-BC49B72EC322}" type="datetimeFigureOut">
               <a:rPr lang="nl-BE" smtClean="0"/>
-              <a:t>7/09/2018</a:t>
+              <a:t>26/09/2018</a:t>
             </a:fld>
             <a:endParaRPr lang="nl-BE"/>
           </a:p>
@@ -5354,7 +5354,7 @@
           <a:p>
             <a:fld id="{21F21368-17C6-4870-9BCB-BC49B72EC322}" type="datetimeFigureOut">
               <a:rPr lang="nl-BE" smtClean="0"/>
-              <a:t>7/09/2018</a:t>
+              <a:t>26/09/2018</a:t>
             </a:fld>
             <a:endParaRPr lang="nl-BE"/>
           </a:p>
@@ -5631,7 +5631,7 @@
           <a:p>
             <a:fld id="{21F21368-17C6-4870-9BCB-BC49B72EC322}" type="datetimeFigureOut">
               <a:rPr lang="nl-BE" smtClean="0"/>
-              <a:t>7/09/2018</a:t>
+              <a:t>26/09/2018</a:t>
             </a:fld>
             <a:endParaRPr lang="nl-BE"/>
           </a:p>
@@ -5888,7 +5888,7 @@
           <a:p>
             <a:fld id="{21F21368-17C6-4870-9BCB-BC49B72EC322}" type="datetimeFigureOut">
               <a:rPr lang="nl-BE" smtClean="0"/>
-              <a:t>7/09/2018</a:t>
+              <a:t>26/09/2018</a:t>
             </a:fld>
             <a:endParaRPr lang="nl-BE"/>
           </a:p>
@@ -6101,7 +6101,7 @@
           <a:p>
             <a:fld id="{21F21368-17C6-4870-9BCB-BC49B72EC322}" type="datetimeFigureOut">
               <a:rPr lang="nl-BE" smtClean="0"/>
-              <a:t>7/09/2018</a:t>
+              <a:t>26/09/2018</a:t>
             </a:fld>
             <a:endParaRPr lang="nl-BE"/>
           </a:p>
@@ -10749,6 +10749,55 @@
           <a:p>
             <a:r>
               <a:rPr lang="nl-BE" dirty="0"/>
+              <a:t>Or, check </a:t>
+            </a:r>
+            <a:r>
+              <a:rPr lang="nl-BE" dirty="0" err="1"/>
+              <a:t>who</a:t>
+            </a:r>
+            <a:r>
+              <a:rPr lang="nl-BE" dirty="0"/>
+              <a:t> is </a:t>
+            </a:r>
+            <a:r>
+              <a:rPr lang="nl-BE" dirty="0" err="1"/>
+              <a:t>connected</a:t>
+            </a:r>
+            <a:r>
+              <a:rPr lang="nl-BE" dirty="0"/>
+              <a:t> </a:t>
+            </a:r>
+            <a:r>
+              <a:rPr lang="nl-BE" dirty="0" err="1"/>
+              <a:t>to</a:t>
+            </a:r>
+            <a:r>
+              <a:rPr lang="nl-BE" dirty="0"/>
+              <a:t> </a:t>
+            </a:r>
+            <a:r>
+              <a:rPr lang="nl-BE" dirty="0" err="1"/>
+              <a:t>the</a:t>
+            </a:r>
+            <a:r>
+              <a:rPr lang="nl-BE" dirty="0"/>
+              <a:t> </a:t>
+            </a:r>
+            <a:r>
+              <a:rPr lang="nl-BE" dirty="0" err="1"/>
+              <a:t>Wsman</a:t>
+            </a:r>
+            <a:r>
+              <a:rPr lang="nl-BE" dirty="0"/>
+              <a:t>-port:</a:t>
+            </a:r>
+          </a:p>
+          <a:p>
+            <a:endParaRPr lang="nl-BE" dirty="0"/>
+          </a:p>
+          <a:p>
+            <a:r>
+              <a:rPr lang="nl-BE" dirty="0"/>
               <a:t>Kick a user?</a:t>
             </a:r>
           </a:p>
@@ -10915,6 +10964,99 @@
                 <a:latin typeface="Lucida Console" panose="020B0609040504020204" pitchFamily="49" charset="0"/>
               </a:rPr>
               <a:t> </a:t>
+            </a:r>
+          </a:p>
+        </p:txBody>
+      </p:sp>
+      <p:sp>
+        <p:nvSpPr>
+          <p:cNvPr id="5" name="Rectangle 4">
+            <a:extLst>
+              <a:ext uri="{FF2B5EF4-FFF2-40B4-BE49-F238E27FC236}">
+                <a16:creationId xmlns:a16="http://schemas.microsoft.com/office/drawing/2014/main" id="{2E182631-76A0-4BDD-BB7D-9639635441BF}"/>
+              </a:ext>
+            </a:extLst>
+          </p:cNvPr>
+          <p:cNvSpPr/>
+          <p:nvPr/>
+        </p:nvSpPr>
+        <p:spPr>
+          <a:xfrm>
+            <a:off x="3144671" y="3387973"/>
+            <a:ext cx="5397631" cy="369332"/>
+          </a:xfrm>
+          <a:prstGeom prst="rect">
+            <a:avLst/>
+          </a:prstGeom>
+        </p:spPr>
+        <p:txBody>
+          <a:bodyPr wrap="none">
+            <a:spAutoFit/>
+          </a:bodyPr>
+          <a:lstStyle/>
+          <a:p>
+            <a:r>
+              <a:rPr lang="en-GB" dirty="0">
+                <a:solidFill>
+                  <a:srgbClr val="0000FF"/>
+                </a:solidFill>
+                <a:latin typeface="Lucida Console" panose="020B0609040504020204" pitchFamily="49" charset="0"/>
+              </a:rPr>
+              <a:t>Get-</a:t>
+            </a:r>
+            <a:r>
+              <a:rPr lang="en-GB" dirty="0" err="1">
+                <a:solidFill>
+                  <a:srgbClr val="0000FF"/>
+                </a:solidFill>
+                <a:latin typeface="Lucida Console" panose="020B0609040504020204" pitchFamily="49" charset="0"/>
+              </a:rPr>
+              <a:t>NetTCPConnection</a:t>
+            </a:r>
+            <a:r>
+              <a:rPr lang="en-GB" dirty="0">
+                <a:solidFill>
+                  <a:prstClr val="black"/>
+                </a:solidFill>
+                <a:latin typeface="Lucida Console" panose="020B0609040504020204" pitchFamily="49" charset="0"/>
+              </a:rPr>
+              <a:t> </a:t>
+            </a:r>
+            <a:r>
+              <a:rPr lang="en-GB" dirty="0">
+                <a:solidFill>
+                  <a:srgbClr val="000080"/>
+                </a:solidFill>
+                <a:latin typeface="Lucida Console" panose="020B0609040504020204" pitchFamily="49" charset="0"/>
+              </a:rPr>
+              <a:t>-</a:t>
+            </a:r>
+            <a:r>
+              <a:rPr lang="en-GB" dirty="0" err="1">
+                <a:solidFill>
+                  <a:srgbClr val="000080"/>
+                </a:solidFill>
+                <a:latin typeface="Lucida Console" panose="020B0609040504020204" pitchFamily="49" charset="0"/>
+              </a:rPr>
+              <a:t>LocalPort</a:t>
+            </a:r>
+            <a:r>
+              <a:rPr lang="en-GB" dirty="0">
+                <a:solidFill>
+                  <a:prstClr val="black"/>
+                </a:solidFill>
+                <a:latin typeface="Lucida Console" panose="020B0609040504020204" pitchFamily="49" charset="0"/>
+              </a:rPr>
+              <a:t> </a:t>
+            </a:r>
+            <a:r>
+              <a:rPr lang="en-GB" dirty="0">
+                <a:solidFill>
+                  <a:srgbClr val="800080"/>
+                </a:solidFill>
+                <a:latin typeface="Lucida Console" panose="020B0609040504020204" pitchFamily="49" charset="0"/>
+              </a:rPr>
+              <a:t>5985 </a:t>
             </a:r>
           </a:p>
         </p:txBody>
